--- a/app/maker/plantilla-tema-oscuro.pptx
+++ b/app/maker/plantilla-tema-oscuro.pptx
@@ -780,9 +780,7 @@
             <a:avLst/>
           </a:prstGeom>
           <a:solidFill>
-            <a:schemeClr val="accent1">
-              <a:lumOff val="-7215"/>
-            </a:schemeClr>
+            <a:srgbClr val="F2A365"/>
           </a:solidFill>
           <a:ln w="12700">
             <a:miter lim="400000"/>
@@ -799,7 +797,7 @@
                 </a:solidFill>
               </a:defRPr>
             </a:pPr>
-            <a:endParaRPr>
+            <a:endParaRPr dirty="0">
               <a:solidFill>
                 <a:srgbClr val="F2A365"/>
               </a:solidFill>
@@ -2415,9 +2413,7 @@
             <a:avLst/>
           </a:prstGeom>
           <a:solidFill>
-            <a:schemeClr val="accent1">
-              <a:lumOff val="-7215"/>
-            </a:schemeClr>
+            <a:srgbClr val="F2A365"/>
           </a:solidFill>
           <a:ln w="12700">
             <a:miter lim="400000"/>
